--- a/Reingold-Tilford Algorithm.pptx
+++ b/Reingold-Tilford Algorithm.pptx
@@ -108,6 +108,11 @@
       </a:defRPr>
     </a:lvl9pPr>
   </p:defaultTextStyle>
+  <p:extLst>
+    <p:ext uri="{EFAFB233-063F-42B5-8137-9DF3F51BA10A}">
+      <p15:sldGuideLst xmlns:p15="http://schemas.microsoft.com/office/powerpoint/2012/main"/>
+    </p:ext>
+  </p:extLst>
 </p:presentation>
 </file>
 
@@ -258,7 +263,7 @@
           <a:p>
             <a:fld id="{4B39FB05-4A8D-447F-BE0A-C9236A34A1E7}" type="datetimeFigureOut">
               <a:rPr lang="zh-CN" altLang="en-US" smtClean="0"/>
-              <a:t>2019/5/9</a:t>
+              <a:t>2019/5/10</a:t>
             </a:fld>
             <a:endParaRPr lang="zh-CN" altLang="en-US"/>
           </a:p>
@@ -456,7 +461,7 @@
           <a:p>
             <a:fld id="{4B39FB05-4A8D-447F-BE0A-C9236A34A1E7}" type="datetimeFigureOut">
               <a:rPr lang="zh-CN" altLang="en-US" smtClean="0"/>
-              <a:t>2019/5/9</a:t>
+              <a:t>2019/5/10</a:t>
             </a:fld>
             <a:endParaRPr lang="zh-CN" altLang="en-US"/>
           </a:p>
@@ -664,7 +669,7 @@
           <a:p>
             <a:fld id="{4B39FB05-4A8D-447F-BE0A-C9236A34A1E7}" type="datetimeFigureOut">
               <a:rPr lang="zh-CN" altLang="en-US" smtClean="0"/>
-              <a:t>2019/5/9</a:t>
+              <a:t>2019/5/10</a:t>
             </a:fld>
             <a:endParaRPr lang="zh-CN" altLang="en-US"/>
           </a:p>
@@ -862,7 +867,7 @@
           <a:p>
             <a:fld id="{4B39FB05-4A8D-447F-BE0A-C9236A34A1E7}" type="datetimeFigureOut">
               <a:rPr lang="zh-CN" altLang="en-US" smtClean="0"/>
-              <a:t>2019/5/9</a:t>
+              <a:t>2019/5/10</a:t>
             </a:fld>
             <a:endParaRPr lang="zh-CN" altLang="en-US"/>
           </a:p>
@@ -1137,7 +1142,7 @@
           <a:p>
             <a:fld id="{4B39FB05-4A8D-447F-BE0A-C9236A34A1E7}" type="datetimeFigureOut">
               <a:rPr lang="zh-CN" altLang="en-US" smtClean="0"/>
-              <a:t>2019/5/9</a:t>
+              <a:t>2019/5/10</a:t>
             </a:fld>
             <a:endParaRPr lang="zh-CN" altLang="en-US"/>
           </a:p>
@@ -1402,7 +1407,7 @@
           <a:p>
             <a:fld id="{4B39FB05-4A8D-447F-BE0A-C9236A34A1E7}" type="datetimeFigureOut">
               <a:rPr lang="zh-CN" altLang="en-US" smtClean="0"/>
-              <a:t>2019/5/9</a:t>
+              <a:t>2019/5/10</a:t>
             </a:fld>
             <a:endParaRPr lang="zh-CN" altLang="en-US"/>
           </a:p>
@@ -1814,7 +1819,7 @@
           <a:p>
             <a:fld id="{4B39FB05-4A8D-447F-BE0A-C9236A34A1E7}" type="datetimeFigureOut">
               <a:rPr lang="zh-CN" altLang="en-US" smtClean="0"/>
-              <a:t>2019/5/9</a:t>
+              <a:t>2019/5/10</a:t>
             </a:fld>
             <a:endParaRPr lang="zh-CN" altLang="en-US"/>
           </a:p>
@@ -1955,7 +1960,7 @@
           <a:p>
             <a:fld id="{4B39FB05-4A8D-447F-BE0A-C9236A34A1E7}" type="datetimeFigureOut">
               <a:rPr lang="zh-CN" altLang="en-US" smtClean="0"/>
-              <a:t>2019/5/9</a:t>
+              <a:t>2019/5/10</a:t>
             </a:fld>
             <a:endParaRPr lang="zh-CN" altLang="en-US"/>
           </a:p>
@@ -2068,7 +2073,7 @@
           <a:p>
             <a:fld id="{4B39FB05-4A8D-447F-BE0A-C9236A34A1E7}" type="datetimeFigureOut">
               <a:rPr lang="zh-CN" altLang="en-US" smtClean="0"/>
-              <a:t>2019/5/9</a:t>
+              <a:t>2019/5/10</a:t>
             </a:fld>
             <a:endParaRPr lang="zh-CN" altLang="en-US"/>
           </a:p>
@@ -2379,7 +2384,7 @@
           <a:p>
             <a:fld id="{4B39FB05-4A8D-447F-BE0A-C9236A34A1E7}" type="datetimeFigureOut">
               <a:rPr lang="zh-CN" altLang="en-US" smtClean="0"/>
-              <a:t>2019/5/9</a:t>
+              <a:t>2019/5/10</a:t>
             </a:fld>
             <a:endParaRPr lang="zh-CN" altLang="en-US"/>
           </a:p>
@@ -2667,7 +2672,7 @@
           <a:p>
             <a:fld id="{4B39FB05-4A8D-447F-BE0A-C9236A34A1E7}" type="datetimeFigureOut">
               <a:rPr lang="zh-CN" altLang="en-US" smtClean="0"/>
-              <a:t>2019/5/9</a:t>
+              <a:t>2019/5/10</a:t>
             </a:fld>
             <a:endParaRPr lang="zh-CN" altLang="en-US"/>
           </a:p>
@@ -2908,7 +2913,7 @@
           <a:p>
             <a:fld id="{4B39FB05-4A8D-447F-BE0A-C9236A34A1E7}" type="datetimeFigureOut">
               <a:rPr lang="zh-CN" altLang="en-US" smtClean="0"/>
-              <a:t>2019/5/9</a:t>
+              <a:t>2019/5/10</a:t>
             </a:fld>
             <a:endParaRPr lang="zh-CN" altLang="en-US"/>
           </a:p>
@@ -3408,7 +3413,7 @@
             </a:r>
             <a:r>
               <a:rPr lang="zh-CN" altLang="en-US" sz="2000" dirty="0"/>
-              <a:t>先给树做一个前序遍历，给每一个节点从其最左边同代节点开始按照</a:t>
+              <a:t>先给树做一个后序遍历，给每一个节点从其最左边同代节点开始按照</a:t>
             </a:r>
             <a:r>
               <a:rPr lang="en-US" altLang="zh-CN" sz="2000" dirty="0"/>
@@ -3554,7 +3559,11 @@
             </a:r>
             <a:r>
               <a:rPr lang="zh-CN" altLang="en-US" sz="2000" dirty="0"/>
-              <a:t>，取消矛盾。</a:t>
+              <a:t>，取消</a:t>
+            </a:r>
+            <a:r>
+              <a:rPr lang="zh-CN" altLang="en-US" sz="2000"/>
+              <a:t>矛盾。确定兄弟节点的右子树大于目前节点的左子树坐标。</a:t>
             </a:r>
             <a:endParaRPr lang="en-US" altLang="zh-CN" sz="2000" dirty="0"/>
           </a:p>
@@ -3805,6 +3814,76 @@
               <a:t>参考</a:t>
             </a:r>
             <a:endParaRPr lang="zh-CN" altLang="en-US" b="1" dirty="0"/>
+          </a:p>
+        </p:txBody>
+      </p:sp>
+      <p:sp>
+        <p:nvSpPr>
+          <p:cNvPr id="5" name="标题 1">
+            <a:extLst>
+              <a:ext uri="{FF2B5EF4-FFF2-40B4-BE49-F238E27FC236}">
+                <a16:creationId xmlns:a16="http://schemas.microsoft.com/office/drawing/2014/main" id="{9E434E64-F9C6-42D1-928B-BE793D7462D6}"/>
+              </a:ext>
+            </a:extLst>
+          </p:cNvPr>
+          <p:cNvSpPr txBox="1">
+            <a:spLocks/>
+          </p:cNvSpPr>
+          <p:nvPr/>
+        </p:nvSpPr>
+        <p:spPr>
+          <a:xfrm>
+            <a:off x="3569945" y="3145872"/>
+            <a:ext cx="4841093" cy="1543574"/>
+          </a:xfrm>
+          <a:prstGeom prst="rect">
+            <a:avLst/>
+          </a:prstGeom>
+        </p:spPr>
+        <p:txBody>
+          <a:bodyPr vert="horz" lIns="91440" tIns="45720" rIns="91440" bIns="45720" rtlCol="0" anchor="ctr">
+            <a:normAutofit/>
+          </a:bodyPr>
+          <a:lstStyle>
+            <a:lvl1pPr algn="l" defTabSz="914400" rtl="0" eaLnBrk="1" latinLnBrk="0" hangingPunct="1">
+              <a:lnSpc>
+                <a:spcPct val="90000"/>
+              </a:lnSpc>
+              <a:spcBef>
+                <a:spcPct val="0"/>
+              </a:spcBef>
+              <a:buNone/>
+              <a:defRPr sz="4400" kern="1200">
+                <a:solidFill>
+                  <a:schemeClr val="tx1"/>
+                </a:solidFill>
+                <a:latin typeface="+mj-lt"/>
+                <a:ea typeface="+mj-ea"/>
+                <a:cs typeface="+mj-cs"/>
+              </a:defRPr>
+            </a:lvl1pPr>
+          </a:lstStyle>
+          <a:p>
+            <a:r>
+              <a:rPr lang="zh-CN" altLang="en-US" sz="2800" b="1" dirty="0"/>
+              <a:t>闫赓聪</a:t>
+            </a:r>
+            <a:r>
+              <a:rPr lang="en-US" altLang="zh-CN" sz="2800" b="1" dirty="0"/>
+              <a:t>201600162230 16</a:t>
+            </a:r>
+            <a:r>
+              <a:rPr lang="zh-CN" altLang="en-US" sz="2800" b="1" dirty="0"/>
+              <a:t>级</a:t>
+            </a:r>
+            <a:r>
+              <a:rPr lang="en-US" altLang="zh-CN" sz="2800" b="1" dirty="0"/>
+              <a:t>4</a:t>
+            </a:r>
+            <a:r>
+              <a:rPr lang="zh-CN" altLang="en-US" sz="2800" b="1" dirty="0"/>
+              <a:t>班</a:t>
+            </a:r>
           </a:p>
         </p:txBody>
       </p:sp>
